--- a/2_code_organisation/MLOps.pptx
+++ b/2_code_organisation/MLOps.pptx
@@ -5,20 +5,19 @@
     <p:sldMasterId id="2147483648" r:id="rId1"/>
   </p:sldMasterIdLst>
   <p:notesMasterIdLst>
-    <p:notesMasterId r:id="rId10"/>
+    <p:notesMasterId r:id="rId9"/>
   </p:notesMasterIdLst>
   <p:handoutMasterIdLst>
-    <p:handoutMasterId r:id="rId11"/>
+    <p:handoutMasterId r:id="rId10"/>
   </p:handoutMasterIdLst>
   <p:sldIdLst>
     <p:sldId id="256" r:id="rId2"/>
-    <p:sldId id="261" r:id="rId3"/>
-    <p:sldId id="257" r:id="rId4"/>
-    <p:sldId id="258" r:id="rId5"/>
-    <p:sldId id="259" r:id="rId6"/>
-    <p:sldId id="260" r:id="rId7"/>
-    <p:sldId id="263" r:id="rId8"/>
-    <p:sldId id="262" r:id="rId9"/>
+    <p:sldId id="257" r:id="rId3"/>
+    <p:sldId id="258" r:id="rId4"/>
+    <p:sldId id="259" r:id="rId5"/>
+    <p:sldId id="260" r:id="rId6"/>
+    <p:sldId id="261" r:id="rId7"/>
+    <p:sldId id="262" r:id="rId8"/>
   </p:sldIdLst>
   <p:sldSz cx="12192000" cy="6858000"/>
   <p:notesSz cx="6858000" cy="9144000"/>
@@ -222,7 +221,7 @@
           <a:p>
             <a:fld id="{D75CAE95-D2DD-4998-876A-092BFD628C65}" type="datetimeFigureOut">
               <a:rPr lang="da-DK" smtClean="0"/>
-              <a:t>28-04-2021</a:t>
+              <a:t>06-05-2021</a:t>
             </a:fld>
             <a:endParaRPr lang="da-DK"/>
           </a:p>
@@ -400,7 +399,7 @@
           <a:p>
             <a:fld id="{1DA8E099-58AA-4136-B409-1CAD1943D842}" type="datetimeFigureOut">
               <a:rPr lang="da-DK" smtClean="0"/>
-              <a:t>28-04-2021</a:t>
+              <a:t>06-05-2021</a:t>
             </a:fld>
             <a:endParaRPr lang="da-DK"/>
           </a:p>
@@ -818,7 +817,7 @@
           <a:p>
             <a:fld id="{C85334AD-9960-4065-BF34-86ED0345A76D}" type="datetime1">
               <a:rPr lang="en-US" smtClean="0"/>
-              <a:t>4/28/2021</a:t>
+              <a:t>5/6/2021</a:t>
             </a:fld>
             <a:endParaRPr lang="da-DK"/>
           </a:p>
@@ -1057,7 +1056,7 @@
           <a:p>
             <a:fld id="{C5669758-3775-48D7-A841-693E908C3BF4}" type="datetime1">
               <a:rPr lang="en-US" smtClean="0"/>
-              <a:t>4/28/2021</a:t>
+              <a:t>5/6/2021</a:t>
             </a:fld>
             <a:endParaRPr lang="da-DK"/>
           </a:p>
@@ -1270,7 +1269,7 @@
           <a:p>
             <a:fld id="{1E0C3FF1-EDBD-4F2A-8366-34A4E3728310}" type="datetime1">
               <a:rPr lang="en-US" smtClean="0"/>
-              <a:t>4/28/2021</a:t>
+              <a:t>5/6/2021</a:t>
             </a:fld>
             <a:endParaRPr lang="da-DK"/>
           </a:p>
@@ -1491,7 +1490,7 @@
           <a:p>
             <a:fld id="{019E29B9-5584-4737-9C98-1B926378C778}" type="datetime1">
               <a:rPr lang="en-US" smtClean="0"/>
-              <a:t>4/28/2021</a:t>
+              <a:t>5/6/2021</a:t>
             </a:fld>
             <a:endParaRPr lang="da-DK"/>
           </a:p>
@@ -1806,7 +1805,7 @@
           <a:p>
             <a:fld id="{FCE38F03-F67D-4508-A858-99FCD085087C}" type="datetime1">
               <a:rPr lang="en-US" smtClean="0"/>
-              <a:t>4/28/2021</a:t>
+              <a:t>5/6/2021</a:t>
             </a:fld>
             <a:endParaRPr lang="da-DK"/>
           </a:p>
@@ -2077,7 +2076,7 @@
           <a:p>
             <a:fld id="{B43F2930-3FFD-4F93-A4BD-4F0D1A0B4514}" type="datetime1">
               <a:rPr lang="en-US" smtClean="0"/>
-              <a:t>4/28/2021</a:t>
+              <a:t>5/6/2021</a:t>
             </a:fld>
             <a:endParaRPr lang="da-DK"/>
           </a:p>
@@ -2495,7 +2494,7 @@
           <a:p>
             <a:fld id="{8E0F9B9B-30CC-4693-8E0F-1A94A979E2C5}" type="datetime1">
               <a:rPr lang="en-US" smtClean="0"/>
-              <a:t>4/28/2021</a:t>
+              <a:t>5/6/2021</a:t>
             </a:fld>
             <a:endParaRPr lang="da-DK"/>
           </a:p>
@@ -2640,7 +2639,7 @@
           <a:p>
             <a:fld id="{6FE1433B-E6A7-44FF-8B55-539471B4D7C5}" type="datetime1">
               <a:rPr lang="en-US" smtClean="0"/>
-              <a:t>4/28/2021</a:t>
+              <a:t>5/6/2021</a:t>
             </a:fld>
             <a:endParaRPr lang="da-DK"/>
           </a:p>
@@ -2756,7 +2755,7 @@
           <a:p>
             <a:fld id="{624F4001-6A8C-42DA-824F-B5CC1375B861}" type="datetime1">
               <a:rPr lang="en-US" smtClean="0"/>
-              <a:t>4/28/2021</a:t>
+              <a:t>5/6/2021</a:t>
             </a:fld>
             <a:endParaRPr lang="da-DK"/>
           </a:p>
@@ -3072,7 +3071,7 @@
           <a:p>
             <a:fld id="{2D3BE137-2C5E-4078-8BA2-7D42D7E67218}" type="datetime1">
               <a:rPr lang="en-US" smtClean="0"/>
-              <a:t>4/28/2021</a:t>
+              <a:t>5/6/2021</a:t>
             </a:fld>
             <a:endParaRPr lang="da-DK"/>
           </a:p>
@@ -3364,7 +3363,7 @@
           <a:p>
             <a:fld id="{0D1436FF-56D3-4E93-92E8-71121EAB120E}" type="datetime1">
               <a:rPr lang="en-US" smtClean="0"/>
-              <a:t>4/28/2021</a:t>
+              <a:t>5/6/2021</a:t>
             </a:fld>
             <a:endParaRPr lang="da-DK"/>
           </a:p>
@@ -3610,7 +3609,7 @@
           <a:p>
             <a:fld id="{16601EF2-4BCA-4009-ACCF-B97F259DEF6F}" type="datetime1">
               <a:rPr lang="en-US" smtClean="0"/>
-              <a:t>4/28/2021</a:t>
+              <a:t>5/6/2021</a:t>
             </a:fld>
             <a:endParaRPr lang="da-DK"/>
           </a:p>
@@ -4155,7 +4154,7 @@
           <p:cNvPr id="2" name="Title 1">
             <a:extLst>
               <a:ext uri="{FF2B5EF4-FFF2-40B4-BE49-F238E27FC236}">
-                <a16:creationId xmlns:a16="http://schemas.microsoft.com/office/drawing/2014/main" id="{AFA3FB33-E459-44C2-8C3E-2980164944DF}"/>
+                <a16:creationId xmlns:a16="http://schemas.microsoft.com/office/drawing/2014/main" id="{E051A0DA-26DC-46D6-9760-19EEB5CD55FA}"/>
               </a:ext>
             </a:extLst>
           </p:cNvPr>
@@ -4173,7 +4172,7 @@
           <a:p>
             <a:r>
               <a:rPr lang="da-DK" dirty="0"/>
-              <a:t>History of deep learning</a:t>
+              <a:t>What is machine learning operations</a:t>
             </a:r>
           </a:p>
         </p:txBody>
@@ -4183,7 +4182,7 @@
           <p:cNvPr id="3" name="Content Placeholder 2">
             <a:extLst>
               <a:ext uri="{FF2B5EF4-FFF2-40B4-BE49-F238E27FC236}">
-                <a16:creationId xmlns:a16="http://schemas.microsoft.com/office/drawing/2014/main" id="{E0F4738D-97BD-4C83-B3F1-645790055083}"/>
+                <a16:creationId xmlns:a16="http://schemas.microsoft.com/office/drawing/2014/main" id="{7C97556E-515E-48EC-B956-7229AC707D96}"/>
               </a:ext>
             </a:extLst>
           </p:cNvPr>
@@ -4194,12 +4193,38 @@
             <p:ph idx="1"/>
           </p:nvPr>
         </p:nvSpPr>
-        <p:spPr/>
-        <p:txBody>
-          <a:bodyPr/>
-          <a:lstStyle/>
-          <a:p>
-            <a:endParaRPr lang="da-DK"/>
+        <p:spPr>
+          <a:xfrm>
+            <a:off x="838200" y="1343608"/>
+            <a:ext cx="3771122" cy="4833355"/>
+          </a:xfrm>
+        </p:spPr>
+        <p:txBody>
+          <a:bodyPr/>
+          <a:lstStyle/>
+          <a:p>
+            <a:pPr marL="0" indent="0">
+              <a:buNone/>
+            </a:pPr>
+            <a:r>
+              <a:rPr lang="da-DK" dirty="0"/>
+              <a:t>Everything required to keep a model working for long periods of time</a:t>
+            </a:r>
+          </a:p>
+          <a:p>
+            <a:pPr marL="0" indent="0">
+              <a:buNone/>
+            </a:pPr>
+            <a:endParaRPr lang="da-DK" dirty="0"/>
+          </a:p>
+          <a:p>
+            <a:pPr marL="0" indent="0">
+              <a:buNone/>
+            </a:pPr>
+            <a:r>
+              <a:rPr lang="da-DK" dirty="0"/>
+              <a:t>Notice: ITS A CYCLE!</a:t>
+            </a:r>
           </a:p>
         </p:txBody>
       </p:sp>
@@ -4208,7 +4233,7 @@
           <p:cNvPr id="4" name="Date Placeholder 3">
             <a:extLst>
               <a:ext uri="{FF2B5EF4-FFF2-40B4-BE49-F238E27FC236}">
-                <a16:creationId xmlns:a16="http://schemas.microsoft.com/office/drawing/2014/main" id="{8FDE3585-E720-46C0-833E-F175CF8BA031}"/>
+                <a16:creationId xmlns:a16="http://schemas.microsoft.com/office/drawing/2014/main" id="{73EBFA3A-A6FE-4F62-A7B1-DFBA80217266}"/>
               </a:ext>
             </a:extLst>
           </p:cNvPr>
@@ -4226,7 +4251,7 @@
           <a:p>
             <a:fld id="{019E29B9-5584-4737-9C98-1B926378C778}" type="datetime1">
               <a:rPr lang="en-US" smtClean="0"/>
-              <a:t>4/28/2021</a:t>
+              <a:t>5/6/2021</a:t>
             </a:fld>
             <a:endParaRPr lang="da-DK"/>
           </a:p>
@@ -4237,7 +4262,7 @@
           <p:cNvPr id="5" name="Footer Placeholder 4">
             <a:extLst>
               <a:ext uri="{FF2B5EF4-FFF2-40B4-BE49-F238E27FC236}">
-                <a16:creationId xmlns:a16="http://schemas.microsoft.com/office/drawing/2014/main" id="{767C9310-195E-4210-AADE-3C5DE42CF185}"/>
+                <a16:creationId xmlns:a16="http://schemas.microsoft.com/office/drawing/2014/main" id="{8988F211-A4C7-4EB4-93C2-82A25D6D248D}"/>
               </a:ext>
             </a:extLst>
           </p:cNvPr>
@@ -4265,7 +4290,7 @@
           <p:cNvPr id="6" name="Slide Number Placeholder 5">
             <a:extLst>
               <a:ext uri="{FF2B5EF4-FFF2-40B4-BE49-F238E27FC236}">
-                <a16:creationId xmlns:a16="http://schemas.microsoft.com/office/drawing/2014/main" id="{2B37452C-28B9-4BDA-AAC9-2F25A667A22F}"/>
+                <a16:creationId xmlns:a16="http://schemas.microsoft.com/office/drawing/2014/main" id="{E7C3D9A5-0294-4843-B034-D649508C0A20}"/>
               </a:ext>
             </a:extLst>
           </p:cNvPr>
@@ -4291,10 +4316,10 @@
       </p:sp>
       <p:pic>
         <p:nvPicPr>
-          <p:cNvPr id="8" name="Picture 7">
-            <a:extLst>
-              <a:ext uri="{FF2B5EF4-FFF2-40B4-BE49-F238E27FC236}">
-                <a16:creationId xmlns:a16="http://schemas.microsoft.com/office/drawing/2014/main" id="{BFFE98C9-580E-46B2-8F7D-EB72EE6FB9EC}"/>
+          <p:cNvPr id="10" name="Picture 9" descr="Diagram&#10;&#10;Description automatically generated">
+            <a:extLst>
+              <a:ext uri="{FF2B5EF4-FFF2-40B4-BE49-F238E27FC236}">
+                <a16:creationId xmlns:a16="http://schemas.microsoft.com/office/drawing/2014/main" id="{B41DB2BF-BD95-44F0-BEEF-734346C5D1F7}"/>
               </a:ext>
             </a:extLst>
           </p:cNvPr>
@@ -4304,15 +4329,21 @@
           <p:nvPr/>
         </p:nvPicPr>
         <p:blipFill>
-          <a:blip r:embed="rId2"/>
+          <a:blip r:embed="rId2">
+            <a:extLst>
+              <a:ext uri="{28A0092B-C50C-407E-A947-70E740481C1C}">
+                <a14:useLocalDpi xmlns:a14="http://schemas.microsoft.com/office/drawing/2010/main" val="0"/>
+              </a:ext>
+            </a:extLst>
+          </a:blip>
           <a:stretch>
             <a:fillRect/>
           </a:stretch>
         </p:blipFill>
         <p:spPr>
           <a:xfrm>
-            <a:off x="371475" y="833437"/>
-            <a:ext cx="11449050" cy="5191125"/>
+            <a:off x="4440261" y="944139"/>
+            <a:ext cx="7100157" cy="5322518"/>
           </a:xfrm>
           <a:prstGeom prst="rect">
             <a:avLst/>
@@ -4322,7 +4353,7 @@
     </p:spTree>
     <p:extLst>
       <p:ext uri="{BB962C8B-B14F-4D97-AF65-F5344CB8AC3E}">
-        <p14:creationId xmlns:p14="http://schemas.microsoft.com/office/powerpoint/2010/main" val="1591327753"/>
+        <p14:creationId xmlns:p14="http://schemas.microsoft.com/office/powerpoint/2010/main" val="3382458182"/>
       </p:ext>
     </p:extLst>
   </p:cSld>
@@ -4335,14 +4366,6 @@
 <file path=ppt/slides/slide3.xml><?xml version="1.0" encoding="utf-8"?>
 <p:sld xmlns:a="http://schemas.openxmlformats.org/drawingml/2006/main" xmlns:r="http://schemas.openxmlformats.org/officeDocument/2006/relationships" xmlns:p="http://schemas.openxmlformats.org/presentationml/2006/main">
   <p:cSld>
-    <p:bg>
-      <p:bgPr>
-        <a:solidFill>
-          <a:schemeClr val="bg1"/>
-        </a:solidFill>
-        <a:effectLst/>
-      </p:bgPr>
-    </p:bg>
     <p:spTree>
       <p:nvGrpSpPr>
         <p:cNvPr id="1" name=""/>
@@ -4362,7 +4385,7 @@
           <p:cNvPr id="2" name="Title 1">
             <a:extLst>
               <a:ext uri="{FF2B5EF4-FFF2-40B4-BE49-F238E27FC236}">
-                <a16:creationId xmlns:a16="http://schemas.microsoft.com/office/drawing/2014/main" id="{BD3F43E9-D451-4F9C-8DA9-4DED62226315}"/>
+                <a16:creationId xmlns:a16="http://schemas.microsoft.com/office/drawing/2014/main" id="{F3EE0E10-FDA9-4B7D-A493-FBF6E7E47DF4}"/>
               </a:ext>
             </a:extLst>
           </p:cNvPr>
@@ -4380,52 +4403,74 @@
           <a:p>
             <a:r>
               <a:rPr lang="da-DK" dirty="0"/>
-              <a:t>The Deep Learning Revolution</a:t>
-            </a:r>
-          </a:p>
-        </p:txBody>
-      </p:sp>
-      <p:pic>
-        <p:nvPicPr>
-          <p:cNvPr id="8" name="Content Placeholder 7" descr="Chart, bar chart&#10;&#10;Description automatically generated">
-            <a:extLst>
-              <a:ext uri="{FF2B5EF4-FFF2-40B4-BE49-F238E27FC236}">
-                <a16:creationId xmlns:a16="http://schemas.microsoft.com/office/drawing/2014/main" id="{4F9F45B1-25A4-4B91-86CC-2599504A2C2F}"/>
-              </a:ext>
-            </a:extLst>
-          </p:cNvPr>
-          <p:cNvPicPr>
-            <a:picLocks noGrp="1" noChangeAspect="1"/>
-          </p:cNvPicPr>
+              <a:t>Design</a:t>
+            </a:r>
+          </a:p>
+        </p:txBody>
+      </p:sp>
+      <p:sp>
+        <p:nvSpPr>
+          <p:cNvPr id="3" name="Content Placeholder 2">
+            <a:extLst>
+              <a:ext uri="{FF2B5EF4-FFF2-40B4-BE49-F238E27FC236}">
+                <a16:creationId xmlns:a16="http://schemas.microsoft.com/office/drawing/2014/main" id="{75AEB1BF-D821-42C8-A483-4366CA031BDD}"/>
+              </a:ext>
+            </a:extLst>
+          </p:cNvPr>
+          <p:cNvSpPr>
+            <a:spLocks noGrp="1"/>
+          </p:cNvSpPr>
           <p:nvPr>
             <p:ph idx="1"/>
           </p:nvPr>
-        </p:nvPicPr>
-        <p:blipFill>
-          <a:blip r:embed="rId2">
-            <a:extLst>
-              <a:ext uri="{28A0092B-C50C-407E-A947-70E740481C1C}">
-                <a14:useLocalDpi xmlns:a14="http://schemas.microsoft.com/office/drawing/2010/main" val="0"/>
-              </a:ext>
-            </a:extLst>
-          </a:blip>
-          <a:stretch>
-            <a:fillRect/>
-          </a:stretch>
-        </p:blipFill>
-        <p:spPr>
-          <a:xfrm>
-            <a:off x="2479807" y="1343025"/>
-            <a:ext cx="7232385" cy="4833938"/>
-          </a:xfrm>
-        </p:spPr>
-      </p:pic>
+        </p:nvSpPr>
+        <p:spPr/>
+        <p:txBody>
+          <a:bodyPr/>
+          <a:lstStyle/>
+          <a:p>
+            <a:r>
+              <a:rPr lang="da-DK" dirty="0"/>
+              <a:t>The is the main part we train you at DTU</a:t>
+            </a:r>
+          </a:p>
+          <a:p>
+            <a:pPr lvl="1"/>
+            <a:r>
+              <a:rPr lang="da-DK" dirty="0"/>
+              <a:t>Analyze a problem</a:t>
+            </a:r>
+          </a:p>
+          <a:p>
+            <a:pPr lvl="1"/>
+            <a:endParaRPr lang="da-DK" dirty="0"/>
+          </a:p>
+          <a:p>
+            <a:pPr lvl="1"/>
+            <a:r>
+              <a:rPr lang="da-DK" dirty="0"/>
+              <a:t>Look in litterature for references</a:t>
+            </a:r>
+          </a:p>
+          <a:p>
+            <a:pPr lvl="1"/>
+            <a:endParaRPr lang="da-DK" dirty="0"/>
+          </a:p>
+          <a:p>
+            <a:pPr lvl="1"/>
+            <a:r>
+              <a:rPr lang="da-DK" dirty="0"/>
+              <a:t>Check if you have access to data for investigating this</a:t>
+            </a:r>
+          </a:p>
+        </p:txBody>
+      </p:sp>
       <p:sp>
         <p:nvSpPr>
           <p:cNvPr id="4" name="Date Placeholder 3">
             <a:extLst>
               <a:ext uri="{FF2B5EF4-FFF2-40B4-BE49-F238E27FC236}">
-                <a16:creationId xmlns:a16="http://schemas.microsoft.com/office/drawing/2014/main" id="{6AEA63BF-42AC-472F-9C80-2D46E5E9E156}"/>
+                <a16:creationId xmlns:a16="http://schemas.microsoft.com/office/drawing/2014/main" id="{47F83E5C-46B0-46AC-B851-786890FA42FD}"/>
               </a:ext>
             </a:extLst>
           </p:cNvPr>
@@ -4441,9 +4486,9 @@
           <a:bodyPr/>
           <a:lstStyle/>
           <a:p>
-            <a:fld id="{0DE03C17-2118-466B-9E30-BC2A82864501}" type="datetime1">
+            <a:fld id="{019E29B9-5584-4737-9C98-1B926378C778}" type="datetime1">
               <a:rPr lang="en-US" smtClean="0"/>
-              <a:t>4/28/2021</a:t>
+              <a:t>5/6/2021</a:t>
             </a:fld>
             <a:endParaRPr lang="da-DK"/>
           </a:p>
@@ -4451,10 +4496,38 @@
       </p:sp>
       <p:sp>
         <p:nvSpPr>
-          <p:cNvPr id="5" name="Slide Number Placeholder 4">
-            <a:extLst>
-              <a:ext uri="{FF2B5EF4-FFF2-40B4-BE49-F238E27FC236}">
-                <a16:creationId xmlns:a16="http://schemas.microsoft.com/office/drawing/2014/main" id="{F22AB04B-B5F7-47D0-B9D7-674DB1073AB4}"/>
+          <p:cNvPr id="5" name="Footer Placeholder 4">
+            <a:extLst>
+              <a:ext uri="{FF2B5EF4-FFF2-40B4-BE49-F238E27FC236}">
+                <a16:creationId xmlns:a16="http://schemas.microsoft.com/office/drawing/2014/main" id="{FB834890-689F-4F9B-81AD-F1E230E8DA47}"/>
+              </a:ext>
+            </a:extLst>
+          </p:cNvPr>
+          <p:cNvSpPr>
+            <a:spLocks noGrp="1"/>
+          </p:cNvSpPr>
+          <p:nvPr>
+            <p:ph type="ftr" sz="quarter" idx="11"/>
+          </p:nvPr>
+        </p:nvSpPr>
+        <p:spPr/>
+        <p:txBody>
+          <a:bodyPr/>
+          <a:lstStyle/>
+          <a:p>
+            <a:r>
+              <a:rPr lang="da-DK"/>
+              <a:t>Nicki Skafte Detlefsen</a:t>
+            </a:r>
+          </a:p>
+        </p:txBody>
+      </p:sp>
+      <p:sp>
+        <p:nvSpPr>
+          <p:cNvPr id="6" name="Slide Number Placeholder 5">
+            <a:extLst>
+              <a:ext uri="{FF2B5EF4-FFF2-40B4-BE49-F238E27FC236}">
+                <a16:creationId xmlns:a16="http://schemas.microsoft.com/office/drawing/2014/main" id="{B6D8BCA8-A308-4056-9659-FCF8E4624824}"/>
               </a:ext>
             </a:extLst>
           </p:cNvPr>
@@ -4478,38 +4551,45 @@
           </a:p>
         </p:txBody>
       </p:sp>
-      <p:sp>
-        <p:nvSpPr>
-          <p:cNvPr id="6" name="Footer Placeholder 5">
-            <a:extLst>
-              <a:ext uri="{FF2B5EF4-FFF2-40B4-BE49-F238E27FC236}">
-                <a16:creationId xmlns:a16="http://schemas.microsoft.com/office/drawing/2014/main" id="{69DB3193-F603-411B-B7EF-1217FBFED035}"/>
-              </a:ext>
-            </a:extLst>
-          </p:cNvPr>
-          <p:cNvSpPr>
-            <a:spLocks noGrp="1"/>
-          </p:cNvSpPr>
-          <p:nvPr>
-            <p:ph type="ftr" sz="quarter" idx="11"/>
-          </p:nvPr>
-        </p:nvSpPr>
-        <p:spPr/>
-        <p:txBody>
-          <a:bodyPr/>
-          <a:lstStyle/>
-          <a:p>
-            <a:r>
-              <a:rPr lang="da-DK"/>
-              <a:t>Nicki Skafte Detlefsen</a:t>
-            </a:r>
-          </a:p>
-        </p:txBody>
-      </p:sp>
+      <p:pic>
+        <p:nvPicPr>
+          <p:cNvPr id="7" name="Picture 6" descr="Diagram&#10;&#10;Description automatically generated">
+            <a:extLst>
+              <a:ext uri="{FF2B5EF4-FFF2-40B4-BE49-F238E27FC236}">
+                <a16:creationId xmlns:a16="http://schemas.microsoft.com/office/drawing/2014/main" id="{079FE9E9-DED2-47B7-8A31-3C8CE1648511}"/>
+              </a:ext>
+            </a:extLst>
+          </p:cNvPr>
+          <p:cNvPicPr>
+            <a:picLocks noChangeAspect="1"/>
+          </p:cNvPicPr>
+          <p:nvPr/>
+        </p:nvPicPr>
+        <p:blipFill rotWithShape="1">
+          <a:blip r:embed="rId2">
+            <a:extLst>
+              <a:ext uri="{28A0092B-C50C-407E-A947-70E740481C1C}">
+                <a14:useLocalDpi xmlns:a14="http://schemas.microsoft.com/office/drawing/2010/main" val="0"/>
+              </a:ext>
+            </a:extLst>
+          </a:blip>
+          <a:srcRect r="65948"/>
+          <a:stretch/>
+        </p:blipFill>
+        <p:spPr>
+          <a:xfrm>
+            <a:off x="8936061" y="1099026"/>
+            <a:ext cx="2417739" cy="5322518"/>
+          </a:xfrm>
+          <a:prstGeom prst="rect">
+            <a:avLst/>
+          </a:prstGeom>
+        </p:spPr>
+      </p:pic>
     </p:spTree>
     <p:extLst>
       <p:ext uri="{BB962C8B-B14F-4D97-AF65-F5344CB8AC3E}">
-        <p14:creationId xmlns:p14="http://schemas.microsoft.com/office/powerpoint/2010/main" val="805747189"/>
+        <p14:creationId xmlns:p14="http://schemas.microsoft.com/office/powerpoint/2010/main" val="3856744393"/>
       </p:ext>
     </p:extLst>
   </p:cSld>
@@ -4541,7 +4621,7 @@
           <p:cNvPr id="2" name="Title 1">
             <a:extLst>
               <a:ext uri="{FF2B5EF4-FFF2-40B4-BE49-F238E27FC236}">
-                <a16:creationId xmlns:a16="http://schemas.microsoft.com/office/drawing/2014/main" id="{81497318-FC28-4911-B129-D1F77AA1B4F6}"/>
+                <a16:creationId xmlns:a16="http://schemas.microsoft.com/office/drawing/2014/main" id="{E2D93338-17E9-466E-8D37-1AF3A9048878}"/>
               </a:ext>
             </a:extLst>
           </p:cNvPr>
@@ -4557,9 +4637,34 @@
           <a:bodyPr/>
           <a:lstStyle/>
           <a:p>
+            <a:endParaRPr lang="da-DK"/>
+          </a:p>
+        </p:txBody>
+      </p:sp>
+      <p:sp>
+        <p:nvSpPr>
+          <p:cNvPr id="3" name="Content Placeholder 2">
+            <a:extLst>
+              <a:ext uri="{FF2B5EF4-FFF2-40B4-BE49-F238E27FC236}">
+                <a16:creationId xmlns:a16="http://schemas.microsoft.com/office/drawing/2014/main" id="{14A91E1C-837E-4355-B886-2C58832A3E2E}"/>
+              </a:ext>
+            </a:extLst>
+          </p:cNvPr>
+          <p:cNvSpPr>
+            <a:spLocks noGrp="1"/>
+          </p:cNvSpPr>
+          <p:nvPr>
+            <p:ph idx="1"/>
+          </p:nvPr>
+        </p:nvSpPr>
+        <p:spPr/>
+        <p:txBody>
+          <a:bodyPr/>
+          <a:lstStyle/>
+          <a:p>
             <a:r>
               <a:rPr lang="da-DK" dirty="0"/>
-              <a:t>What has changed?</a:t>
+              <a:t>This is model specific </a:t>
             </a:r>
           </a:p>
         </p:txBody>
@@ -4569,7 +4674,7 @@
           <p:cNvPr id="4" name="Date Placeholder 3">
             <a:extLst>
               <a:ext uri="{FF2B5EF4-FFF2-40B4-BE49-F238E27FC236}">
-                <a16:creationId xmlns:a16="http://schemas.microsoft.com/office/drawing/2014/main" id="{DAEFEB3D-1C42-463F-B2E7-4D2CB68294AC}"/>
+                <a16:creationId xmlns:a16="http://schemas.microsoft.com/office/drawing/2014/main" id="{AF3F9502-1954-4AB2-AFFB-58E60E4F0912}"/>
               </a:ext>
             </a:extLst>
           </p:cNvPr>
@@ -4587,7 +4692,7 @@
           <a:p>
             <a:fld id="{019E29B9-5584-4737-9C98-1B926378C778}" type="datetime1">
               <a:rPr lang="en-US" smtClean="0"/>
-              <a:t>4/28/2021</a:t>
+              <a:t>5/6/2021</a:t>
             </a:fld>
             <a:endParaRPr lang="da-DK"/>
           </a:p>
@@ -4598,7 +4703,7 @@
           <p:cNvPr id="5" name="Footer Placeholder 4">
             <a:extLst>
               <a:ext uri="{FF2B5EF4-FFF2-40B4-BE49-F238E27FC236}">
-                <a16:creationId xmlns:a16="http://schemas.microsoft.com/office/drawing/2014/main" id="{20DB3BB7-83AD-4B1A-A3B9-CD0845CF77A5}"/>
+                <a16:creationId xmlns:a16="http://schemas.microsoft.com/office/drawing/2014/main" id="{E961CF25-F913-431C-B814-BF8908CAEA15}"/>
               </a:ext>
             </a:extLst>
           </p:cNvPr>
@@ -4626,7 +4731,7 @@
           <p:cNvPr id="6" name="Slide Number Placeholder 5">
             <a:extLst>
               <a:ext uri="{FF2B5EF4-FFF2-40B4-BE49-F238E27FC236}">
-                <a16:creationId xmlns:a16="http://schemas.microsoft.com/office/drawing/2014/main" id="{D4D6810B-0AEC-4CC3-8F2F-28833D36EA46}"/>
+                <a16:creationId xmlns:a16="http://schemas.microsoft.com/office/drawing/2014/main" id="{71A10A9D-0158-407E-8333-AD3B78E4365F}"/>
               </a:ext>
             </a:extLst>
           </p:cNvPr>
@@ -4650,430 +4755,45 @@
           </a:p>
         </p:txBody>
       </p:sp>
-      <p:sp>
-        <p:nvSpPr>
-          <p:cNvPr id="7" name="Oval 6">
-            <a:extLst>
-              <a:ext uri="{FF2B5EF4-FFF2-40B4-BE49-F238E27FC236}">
-                <a16:creationId xmlns:a16="http://schemas.microsoft.com/office/drawing/2014/main" id="{9EC0629C-3EBF-4373-8245-0C3A6695D7E8}"/>
-              </a:ext>
-            </a:extLst>
-          </p:cNvPr>
-          <p:cNvSpPr/>
+      <p:pic>
+        <p:nvPicPr>
+          <p:cNvPr id="7" name="Picture 6" descr="Diagram&#10;&#10;Description automatically generated">
+            <a:extLst>
+              <a:ext uri="{FF2B5EF4-FFF2-40B4-BE49-F238E27FC236}">
+                <a16:creationId xmlns:a16="http://schemas.microsoft.com/office/drawing/2014/main" id="{9D360648-1A16-49B3-BB5C-AF07C6D901DE}"/>
+              </a:ext>
+            </a:extLst>
+          </p:cNvPr>
+          <p:cNvPicPr>
+            <a:picLocks noChangeAspect="1"/>
+          </p:cNvPicPr>
           <p:nvPr/>
-        </p:nvSpPr>
+        </p:nvPicPr>
+        <p:blipFill rotWithShape="1">
+          <a:blip r:embed="rId2">
+            <a:extLst>
+              <a:ext uri="{28A0092B-C50C-407E-A947-70E740481C1C}">
+                <a14:useLocalDpi xmlns:a14="http://schemas.microsoft.com/office/drawing/2010/main" val="0"/>
+              </a:ext>
+            </a:extLst>
+          </a:blip>
+          <a:srcRect l="33920" r="34803"/>
+          <a:stretch/>
+        </p:blipFill>
         <p:spPr>
           <a:xfrm>
-            <a:off x="744518" y="2214522"/>
-            <a:ext cx="1800000" cy="1800000"/>
-          </a:xfrm>
-          <a:prstGeom prst="ellipse">
-            <a:avLst/>
-          </a:prstGeom>
-        </p:spPr>
-        <p:style>
-          <a:lnRef idx="2">
-            <a:schemeClr val="accent1">
-              <a:shade val="50000"/>
-            </a:schemeClr>
-          </a:lnRef>
-          <a:fillRef idx="1">
-            <a:schemeClr val="accent1"/>
-          </a:fillRef>
-          <a:effectRef idx="0">
-            <a:schemeClr val="accent1"/>
-          </a:effectRef>
-          <a:fontRef idx="minor">
-            <a:schemeClr val="lt1"/>
-          </a:fontRef>
-        </p:style>
-        <p:txBody>
-          <a:bodyPr rtlCol="0" anchor="ctr"/>
-          <a:lstStyle/>
-          <a:p>
-            <a:pPr algn="ctr"/>
-            <a:r>
-              <a:rPr lang="da-DK" dirty="0"/>
-              <a:t>Big Data</a:t>
-            </a:r>
-          </a:p>
-        </p:txBody>
-      </p:sp>
-      <p:sp>
-        <p:nvSpPr>
-          <p:cNvPr id="8" name="Oval 7">
-            <a:extLst>
-              <a:ext uri="{FF2B5EF4-FFF2-40B4-BE49-F238E27FC236}">
-                <a16:creationId xmlns:a16="http://schemas.microsoft.com/office/drawing/2014/main" id="{55342872-E60A-4BC6-BB50-9978AC9720D6}"/>
-              </a:ext>
-            </a:extLst>
-          </p:cNvPr>
-          <p:cNvSpPr/>
-          <p:nvPr/>
-        </p:nvSpPr>
-        <p:spPr>
-          <a:xfrm>
-            <a:off x="2872806" y="2214522"/>
-            <a:ext cx="1800000" cy="1800000"/>
-          </a:xfrm>
-          <a:prstGeom prst="ellipse">
-            <a:avLst/>
-          </a:prstGeom>
-        </p:spPr>
-        <p:style>
-          <a:lnRef idx="2">
-            <a:schemeClr val="accent1">
-              <a:shade val="50000"/>
-            </a:schemeClr>
-          </a:lnRef>
-          <a:fillRef idx="1">
-            <a:schemeClr val="accent1"/>
-          </a:fillRef>
-          <a:effectRef idx="0">
-            <a:schemeClr val="accent1"/>
-          </a:effectRef>
-          <a:fontRef idx="minor">
-            <a:schemeClr val="lt1"/>
-          </a:fontRef>
-        </p:style>
-        <p:txBody>
-          <a:bodyPr rtlCol="0" anchor="ctr"/>
-          <a:lstStyle/>
-          <a:p>
-            <a:pPr algn="ctr"/>
-            <a:r>
-              <a:rPr lang="da-DK" dirty="0"/>
-              <a:t>Hardware</a:t>
-            </a:r>
-          </a:p>
-        </p:txBody>
-      </p:sp>
-      <p:sp>
-        <p:nvSpPr>
-          <p:cNvPr id="9" name="Oval 8">
-            <a:extLst>
-              <a:ext uri="{FF2B5EF4-FFF2-40B4-BE49-F238E27FC236}">
-                <a16:creationId xmlns:a16="http://schemas.microsoft.com/office/drawing/2014/main" id="{37B499A6-6048-47E6-9F71-BF24B9C96791}"/>
-              </a:ext>
-            </a:extLst>
-          </p:cNvPr>
-          <p:cNvSpPr/>
-          <p:nvPr/>
-        </p:nvSpPr>
-        <p:spPr>
-          <a:xfrm>
-            <a:off x="5001094" y="2172216"/>
-            <a:ext cx="1800000" cy="1800000"/>
-          </a:xfrm>
-          <a:prstGeom prst="ellipse">
-            <a:avLst/>
-          </a:prstGeom>
-        </p:spPr>
-        <p:style>
-          <a:lnRef idx="2">
-            <a:schemeClr val="accent1">
-              <a:shade val="50000"/>
-            </a:schemeClr>
-          </a:lnRef>
-          <a:fillRef idx="1">
-            <a:schemeClr val="accent1"/>
-          </a:fillRef>
-          <a:effectRef idx="0">
-            <a:schemeClr val="accent1"/>
-          </a:effectRef>
-          <a:fontRef idx="minor">
-            <a:schemeClr val="lt1"/>
-          </a:fontRef>
-        </p:style>
-        <p:txBody>
-          <a:bodyPr rtlCol="0" anchor="ctr"/>
-          <a:lstStyle/>
-          <a:p>
-            <a:pPr algn="ctr"/>
-            <a:r>
-              <a:rPr lang="da-DK" dirty="0"/>
-              <a:t>Deep</a:t>
-            </a:r>
-          </a:p>
-        </p:txBody>
-      </p:sp>
-      <p:sp>
-        <p:nvSpPr>
-          <p:cNvPr id="10" name="Oval 9">
-            <a:extLst>
-              <a:ext uri="{FF2B5EF4-FFF2-40B4-BE49-F238E27FC236}">
-                <a16:creationId xmlns:a16="http://schemas.microsoft.com/office/drawing/2014/main" id="{3EC5B04C-3675-451A-A946-32616FDE598F}"/>
-              </a:ext>
-            </a:extLst>
-          </p:cNvPr>
-          <p:cNvSpPr/>
-          <p:nvPr/>
-        </p:nvSpPr>
-        <p:spPr>
-          <a:xfrm>
-            <a:off x="7129382" y="2172216"/>
-            <a:ext cx="1800000" cy="1800000"/>
-          </a:xfrm>
-          <a:prstGeom prst="ellipse">
-            <a:avLst/>
-          </a:prstGeom>
-        </p:spPr>
-        <p:style>
-          <a:lnRef idx="2">
-            <a:schemeClr val="accent1">
-              <a:shade val="50000"/>
-            </a:schemeClr>
-          </a:lnRef>
-          <a:fillRef idx="1">
-            <a:schemeClr val="accent1"/>
-          </a:fillRef>
-          <a:effectRef idx="0">
-            <a:schemeClr val="accent1"/>
-          </a:effectRef>
-          <a:fontRef idx="minor">
-            <a:schemeClr val="lt1"/>
-          </a:fontRef>
-        </p:style>
-        <p:txBody>
-          <a:bodyPr rtlCol="0" anchor="ctr"/>
-          <a:lstStyle/>
-          <a:p>
-            <a:pPr algn="ctr"/>
-            <a:r>
-              <a:rPr lang="da-DK" dirty="0"/>
-              <a:t>Hype</a:t>
-            </a:r>
-          </a:p>
-        </p:txBody>
-      </p:sp>
-      <p:sp>
-        <p:nvSpPr>
-          <p:cNvPr id="11" name="TextBox 10">
-            <a:extLst>
-              <a:ext uri="{FF2B5EF4-FFF2-40B4-BE49-F238E27FC236}">
-                <a16:creationId xmlns:a16="http://schemas.microsoft.com/office/drawing/2014/main" id="{66BE1890-C681-4EF6-91CB-E88405C7A6C8}"/>
-              </a:ext>
-            </a:extLst>
-          </p:cNvPr>
-          <p:cNvSpPr txBox="1"/>
-          <p:nvPr/>
-        </p:nvSpPr>
-        <p:spPr>
-          <a:xfrm>
-            <a:off x="870353" y="4127212"/>
-            <a:ext cx="1426128" cy="646331"/>
+            <a:off x="9187543" y="1110623"/>
+            <a:ext cx="2220686" cy="5322518"/>
           </a:xfrm>
           <a:prstGeom prst="rect">
             <a:avLst/>
           </a:prstGeom>
-          <a:noFill/>
         </p:spPr>
-        <p:txBody>
-          <a:bodyPr wrap="square" rtlCol="0">
-            <a:spAutoFit/>
-          </a:bodyPr>
-          <a:lstStyle/>
-          <a:p>
-            <a:r>
-              <a:rPr lang="da-DK" dirty="0"/>
-              <a:t>Models can generalize</a:t>
-            </a:r>
-          </a:p>
-        </p:txBody>
-      </p:sp>
-      <p:sp>
-        <p:nvSpPr>
-          <p:cNvPr id="12" name="TextBox 11">
-            <a:extLst>
-              <a:ext uri="{FF2B5EF4-FFF2-40B4-BE49-F238E27FC236}">
-                <a16:creationId xmlns:a16="http://schemas.microsoft.com/office/drawing/2014/main" id="{8CA6F35D-8FA4-48A0-BA2F-573EB45C9729}"/>
-              </a:ext>
-            </a:extLst>
-          </p:cNvPr>
-          <p:cNvSpPr txBox="1"/>
-          <p:nvPr/>
-        </p:nvSpPr>
-        <p:spPr>
-          <a:xfrm>
-            <a:off x="3312947" y="4127211"/>
-            <a:ext cx="1426128" cy="646331"/>
-          </a:xfrm>
-          <a:prstGeom prst="rect">
-            <a:avLst/>
-          </a:prstGeom>
-          <a:noFill/>
-        </p:spPr>
-        <p:txBody>
-          <a:bodyPr wrap="square" rtlCol="0">
-            <a:spAutoFit/>
-          </a:bodyPr>
-          <a:lstStyle/>
-          <a:p>
-            <a:r>
-              <a:rPr lang="da-DK" dirty="0"/>
-              <a:t>Models are trainable</a:t>
-            </a:r>
-          </a:p>
-        </p:txBody>
-      </p:sp>
-      <p:sp>
-        <p:nvSpPr>
-          <p:cNvPr id="13" name="TextBox 12">
-            <a:extLst>
-              <a:ext uri="{FF2B5EF4-FFF2-40B4-BE49-F238E27FC236}">
-                <a16:creationId xmlns:a16="http://schemas.microsoft.com/office/drawing/2014/main" id="{BE07B5FA-1245-4C5E-92FB-4658A181EA63}"/>
-              </a:ext>
-            </a:extLst>
-          </p:cNvPr>
-          <p:cNvSpPr txBox="1"/>
-          <p:nvPr/>
-        </p:nvSpPr>
-        <p:spPr>
-          <a:xfrm>
-            <a:off x="5374966" y="4127210"/>
-            <a:ext cx="1426128" cy="646331"/>
-          </a:xfrm>
-          <a:prstGeom prst="rect">
-            <a:avLst/>
-          </a:prstGeom>
-          <a:noFill/>
-        </p:spPr>
-        <p:txBody>
-          <a:bodyPr wrap="square" rtlCol="0">
-            <a:spAutoFit/>
-          </a:bodyPr>
-          <a:lstStyle/>
-          <a:p>
-            <a:r>
-              <a:rPr lang="da-DK" dirty="0"/>
-              <a:t>Models are complex</a:t>
-            </a:r>
-          </a:p>
-        </p:txBody>
-      </p:sp>
-      <p:sp>
-        <p:nvSpPr>
-          <p:cNvPr id="14" name="TextBox 13">
-            <a:extLst>
-              <a:ext uri="{FF2B5EF4-FFF2-40B4-BE49-F238E27FC236}">
-                <a16:creationId xmlns:a16="http://schemas.microsoft.com/office/drawing/2014/main" id="{16399E68-47B4-47B0-8756-3460529D272A}"/>
-              </a:ext>
-            </a:extLst>
-          </p:cNvPr>
-          <p:cNvSpPr txBox="1"/>
-          <p:nvPr/>
-        </p:nvSpPr>
-        <p:spPr>
-          <a:xfrm>
-            <a:off x="7503254" y="4127210"/>
-            <a:ext cx="1426128" cy="646331"/>
-          </a:xfrm>
-          <a:prstGeom prst="rect">
-            <a:avLst/>
-          </a:prstGeom>
-          <a:noFill/>
-        </p:spPr>
-        <p:txBody>
-          <a:bodyPr wrap="square" rtlCol="0">
-            <a:spAutoFit/>
-          </a:bodyPr>
-          <a:lstStyle/>
-          <a:p>
-            <a:r>
-              <a:rPr lang="da-DK" dirty="0"/>
-              <a:t>Attacts more people</a:t>
-            </a:r>
-          </a:p>
-        </p:txBody>
-      </p:sp>
-      <p:sp>
-        <p:nvSpPr>
-          <p:cNvPr id="15" name="Oval 14">
-            <a:extLst>
-              <a:ext uri="{FF2B5EF4-FFF2-40B4-BE49-F238E27FC236}">
-                <a16:creationId xmlns:a16="http://schemas.microsoft.com/office/drawing/2014/main" id="{73AF4A8E-5D6B-499E-8CA4-485EB75D80A6}"/>
-              </a:ext>
-            </a:extLst>
-          </p:cNvPr>
-          <p:cNvSpPr/>
-          <p:nvPr/>
-        </p:nvSpPr>
-        <p:spPr>
-          <a:xfrm>
-            <a:off x="9257670" y="2172216"/>
-            <a:ext cx="1800000" cy="1800000"/>
-          </a:xfrm>
-          <a:prstGeom prst="ellipse">
-            <a:avLst/>
-          </a:prstGeom>
-        </p:spPr>
-        <p:style>
-          <a:lnRef idx="2">
-            <a:schemeClr val="accent1">
-              <a:shade val="50000"/>
-            </a:schemeClr>
-          </a:lnRef>
-          <a:fillRef idx="1">
-            <a:schemeClr val="accent1"/>
-          </a:fillRef>
-          <a:effectRef idx="0">
-            <a:schemeClr val="accent1"/>
-          </a:effectRef>
-          <a:fontRef idx="minor">
-            <a:schemeClr val="lt1"/>
-          </a:fontRef>
-        </p:style>
-        <p:txBody>
-          <a:bodyPr rtlCol="0" anchor="ctr"/>
-          <a:lstStyle/>
-          <a:p>
-            <a:pPr algn="ctr"/>
-            <a:r>
-              <a:rPr lang="da-DK" dirty="0"/>
-              <a:t>Software</a:t>
-            </a:r>
-          </a:p>
-        </p:txBody>
-      </p:sp>
-      <p:sp>
-        <p:nvSpPr>
-          <p:cNvPr id="16" name="TextBox 15">
-            <a:extLst>
-              <a:ext uri="{FF2B5EF4-FFF2-40B4-BE49-F238E27FC236}">
-                <a16:creationId xmlns:a16="http://schemas.microsoft.com/office/drawing/2014/main" id="{21C21F75-6D95-4BA7-BDCA-9471A09EF3A5}"/>
-              </a:ext>
-            </a:extLst>
-          </p:cNvPr>
-          <p:cNvSpPr txBox="1"/>
-          <p:nvPr/>
-        </p:nvSpPr>
-        <p:spPr>
-          <a:xfrm>
-            <a:off x="9444606" y="4127210"/>
-            <a:ext cx="1426128" cy="646331"/>
-          </a:xfrm>
-          <a:prstGeom prst="rect">
-            <a:avLst/>
-          </a:prstGeom>
-          <a:noFill/>
-        </p:spPr>
-        <p:txBody>
-          <a:bodyPr wrap="square" rtlCol="0">
-            <a:spAutoFit/>
-          </a:bodyPr>
-          <a:lstStyle/>
-          <a:p>
-            <a:r>
-              <a:rPr lang="da-DK" dirty="0"/>
-              <a:t>Models are easy to code</a:t>
-            </a:r>
-          </a:p>
-        </p:txBody>
-      </p:sp>
+      </p:pic>
     </p:spTree>
     <p:extLst>
       <p:ext uri="{BB962C8B-B14F-4D97-AF65-F5344CB8AC3E}">
-        <p14:creationId xmlns:p14="http://schemas.microsoft.com/office/powerpoint/2010/main" val="4129615894"/>
+        <p14:creationId xmlns:p14="http://schemas.microsoft.com/office/powerpoint/2010/main" val="799991598"/>
       </p:ext>
     </p:extLst>
   </p:cSld>
@@ -5105,7 +4825,7 @@
           <p:cNvPr id="2" name="Title 1">
             <a:extLst>
               <a:ext uri="{FF2B5EF4-FFF2-40B4-BE49-F238E27FC236}">
-                <a16:creationId xmlns:a16="http://schemas.microsoft.com/office/drawing/2014/main" id="{1EE4E3C0-9513-4612-BAEF-F687A80219EA}"/>
+                <a16:creationId xmlns:a16="http://schemas.microsoft.com/office/drawing/2014/main" id="{E55774C7-8BE4-483E-86C9-B3C70E2A6DD4}"/>
               </a:ext>
             </a:extLst>
           </p:cNvPr>
@@ -5121,43 +4841,46 @@
           <a:bodyPr/>
           <a:lstStyle/>
           <a:p>
+            <a:endParaRPr lang="da-DK"/>
+          </a:p>
+        </p:txBody>
+      </p:sp>
+      <p:sp>
+        <p:nvSpPr>
+          <p:cNvPr id="3" name="Content Placeholder 2">
+            <a:extLst>
+              <a:ext uri="{FF2B5EF4-FFF2-40B4-BE49-F238E27FC236}">
+                <a16:creationId xmlns:a16="http://schemas.microsoft.com/office/drawing/2014/main" id="{F78C482A-077A-43DD-B61C-658B97A63042}"/>
+              </a:ext>
+            </a:extLst>
+          </p:cNvPr>
+          <p:cNvSpPr>
+            <a:spLocks noGrp="1"/>
+          </p:cNvSpPr>
+          <p:nvPr>
+            <p:ph idx="1"/>
+          </p:nvPr>
+        </p:nvSpPr>
+        <p:spPr/>
+        <p:txBody>
+          <a:bodyPr/>
+          <a:lstStyle/>
+          <a:p>
             <a:r>
               <a:rPr lang="da-DK" dirty="0"/>
-              <a:t>Why you should jump the weagon</a:t>
-            </a:r>
-          </a:p>
-        </p:txBody>
-      </p:sp>
-      <p:sp>
-        <p:nvSpPr>
-          <p:cNvPr id="3" name="Content Placeholder 2">
-            <a:extLst>
-              <a:ext uri="{FF2B5EF4-FFF2-40B4-BE49-F238E27FC236}">
-                <a16:creationId xmlns:a16="http://schemas.microsoft.com/office/drawing/2014/main" id="{1DB6029A-5B72-4920-B86B-74791CB04F99}"/>
-              </a:ext>
-            </a:extLst>
-          </p:cNvPr>
-          <p:cNvSpPr>
-            <a:spLocks noGrp="1"/>
-          </p:cNvSpPr>
-          <p:nvPr>
-            <p:ph idx="1"/>
-          </p:nvPr>
-        </p:nvSpPr>
-        <p:spPr/>
-        <p:txBody>
-          <a:bodyPr/>
-          <a:lstStyle/>
-          <a:p>
-            <a:pPr marL="0" indent="0">
-              <a:buNone/>
-            </a:pPr>
-            <a:r>
-              <a:rPr lang="en-US" dirty="0"/>
-              <a:t>“… the deep learning market is expected  to be worth USD 1,722.9 Million by 2022”</a:t>
-            </a:r>
+              <a:t>This is not teached at all</a:t>
+            </a:r>
+          </a:p>
+          <a:p>
             <a:endParaRPr lang="da-DK" dirty="0"/>
           </a:p>
+          <a:p>
+            <a:pPr lvl="1"/>
+            <a:r>
+              <a:rPr lang="da-DK" dirty="0"/>
+              <a:t>My hope is that you will get at feeling of this topic</a:t>
+            </a:r>
+          </a:p>
         </p:txBody>
       </p:sp>
       <p:sp>
@@ -5165,7 +4888,7 @@
           <p:cNvPr id="4" name="Date Placeholder 3">
             <a:extLst>
               <a:ext uri="{FF2B5EF4-FFF2-40B4-BE49-F238E27FC236}">
-                <a16:creationId xmlns:a16="http://schemas.microsoft.com/office/drawing/2014/main" id="{A7C40FB7-2CC1-45D0-9E13-E5D78F9DC23A}"/>
+                <a16:creationId xmlns:a16="http://schemas.microsoft.com/office/drawing/2014/main" id="{08C53554-3CD5-4529-97FE-C646A771E7A7}"/>
               </a:ext>
             </a:extLst>
           </p:cNvPr>
@@ -5183,7 +4906,7 @@
           <a:p>
             <a:fld id="{019E29B9-5584-4737-9C98-1B926378C778}" type="datetime1">
               <a:rPr lang="en-US" smtClean="0"/>
-              <a:t>4/28/2021</a:t>
+              <a:t>5/6/2021</a:t>
             </a:fld>
             <a:endParaRPr lang="da-DK"/>
           </a:p>
@@ -5194,7 +4917,7 @@
           <p:cNvPr id="5" name="Footer Placeholder 4">
             <a:extLst>
               <a:ext uri="{FF2B5EF4-FFF2-40B4-BE49-F238E27FC236}">
-                <a16:creationId xmlns:a16="http://schemas.microsoft.com/office/drawing/2014/main" id="{8D4D23E6-59F9-49C7-9332-F85A73080B10}"/>
+                <a16:creationId xmlns:a16="http://schemas.microsoft.com/office/drawing/2014/main" id="{357452A9-01A8-46F8-A265-7B1AED67C39C}"/>
               </a:ext>
             </a:extLst>
           </p:cNvPr>
@@ -5222,7 +4945,7 @@
           <p:cNvPr id="6" name="Slide Number Placeholder 5">
             <a:extLst>
               <a:ext uri="{FF2B5EF4-FFF2-40B4-BE49-F238E27FC236}">
-                <a16:creationId xmlns:a16="http://schemas.microsoft.com/office/drawing/2014/main" id="{8800601B-F420-4DA6-A221-D5E73066FCFD}"/>
+                <a16:creationId xmlns:a16="http://schemas.microsoft.com/office/drawing/2014/main" id="{6FCBB744-AD8A-4F21-AE94-69FC7B4475F8}"/>
               </a:ext>
             </a:extLst>
           </p:cNvPr>
@@ -5248,10 +4971,10 @@
       </p:sp>
       <p:pic>
         <p:nvPicPr>
-          <p:cNvPr id="8" name="Picture 7">
-            <a:extLst>
-              <a:ext uri="{FF2B5EF4-FFF2-40B4-BE49-F238E27FC236}">
-                <a16:creationId xmlns:a16="http://schemas.microsoft.com/office/drawing/2014/main" id="{2D847BFE-0636-4F2D-A2AF-D786777893AB}"/>
+          <p:cNvPr id="7" name="Picture 6" descr="Diagram&#10;&#10;Description automatically generated">
+            <a:extLst>
+              <a:ext uri="{FF2B5EF4-FFF2-40B4-BE49-F238E27FC236}">
+                <a16:creationId xmlns:a16="http://schemas.microsoft.com/office/drawing/2014/main" id="{87428130-763B-4789-A91E-224C07FCD636}"/>
               </a:ext>
             </a:extLst>
           </p:cNvPr>
@@ -5260,16 +4983,21 @@
           </p:cNvPicPr>
           <p:nvPr/>
         </p:nvPicPr>
-        <p:blipFill>
-          <a:blip r:embed="rId2"/>
-          <a:stretch>
-            <a:fillRect/>
-          </a:stretch>
+        <p:blipFill rotWithShape="1">
+          <a:blip r:embed="rId2">
+            <a:extLst>
+              <a:ext uri="{28A0092B-C50C-407E-A947-70E740481C1C}">
+                <a14:useLocalDpi xmlns:a14="http://schemas.microsoft.com/office/drawing/2010/main" val="0"/>
+              </a:ext>
+            </a:extLst>
+          </a:blip>
+          <a:srcRect l="65066"/>
+          <a:stretch/>
         </p:blipFill>
         <p:spPr>
           <a:xfrm>
-            <a:off x="2654285" y="2234136"/>
-            <a:ext cx="7000875" cy="3648075"/>
+            <a:off x="8873406" y="1096627"/>
+            <a:ext cx="2480394" cy="5322518"/>
           </a:xfrm>
           <a:prstGeom prst="rect">
             <a:avLst/>
@@ -5279,7 +5007,7 @@
     </p:spTree>
     <p:extLst>
       <p:ext uri="{BB962C8B-B14F-4D97-AF65-F5344CB8AC3E}">
-        <p14:creationId xmlns:p14="http://schemas.microsoft.com/office/powerpoint/2010/main" val="2614854895"/>
+        <p14:creationId xmlns:p14="http://schemas.microsoft.com/office/powerpoint/2010/main" val="359486999"/>
       </p:ext>
     </p:extLst>
   </p:cSld>
@@ -5311,7 +5039,7 @@
           <p:cNvPr id="2" name="Title 1">
             <a:extLst>
               <a:ext uri="{FF2B5EF4-FFF2-40B4-BE49-F238E27FC236}">
-                <a16:creationId xmlns:a16="http://schemas.microsoft.com/office/drawing/2014/main" id="{301795A4-297C-485D-BCB9-AC3115206278}"/>
+                <a16:creationId xmlns:a16="http://schemas.microsoft.com/office/drawing/2014/main" id="{30E322A3-B698-492C-A2CB-061CD72D2025}"/>
               </a:ext>
             </a:extLst>
           </p:cNvPr>
@@ -5327,10 +5055,7 @@
           <a:bodyPr/>
           <a:lstStyle/>
           <a:p>
-            <a:r>
-              <a:rPr lang="da-DK" dirty="0"/>
-              <a:t>The DL software landscape</a:t>
-            </a:r>
+            <a:endParaRPr lang="da-DK"/>
           </a:p>
         </p:txBody>
       </p:sp>
@@ -5339,7 +5064,7 @@
           <p:cNvPr id="3" name="Content Placeholder 2">
             <a:extLst>
               <a:ext uri="{FF2B5EF4-FFF2-40B4-BE49-F238E27FC236}">
-                <a16:creationId xmlns:a16="http://schemas.microsoft.com/office/drawing/2014/main" id="{F78455D9-15A8-4A40-B2AE-F8917747EC1F}"/>
+                <a16:creationId xmlns:a16="http://schemas.microsoft.com/office/drawing/2014/main" id="{427EC525-70A3-4250-A9B6-F40FD34294DD}"/>
               </a:ext>
             </a:extLst>
           </p:cNvPr>
@@ -5355,55 +5080,7 @@
           <a:bodyPr/>
           <a:lstStyle/>
           <a:p>
-            <a:pPr marL="0" indent="0">
-              <a:buNone/>
-            </a:pPr>
-            <a:endParaRPr lang="da-DK" dirty="0"/>
-          </a:p>
-          <a:p>
-            <a:pPr marL="0" indent="0">
-              <a:buNone/>
-            </a:pPr>
-            <a:endParaRPr lang="da-DK" dirty="0"/>
-          </a:p>
-          <a:p>
-            <a:pPr marL="0" indent="0">
-              <a:buNone/>
-            </a:pPr>
-            <a:endParaRPr lang="da-DK" dirty="0"/>
-          </a:p>
-          <a:p>
-            <a:pPr marL="0" indent="0">
-              <a:buNone/>
-            </a:pPr>
-            <a:endParaRPr lang="da-DK" dirty="0"/>
-          </a:p>
-          <a:p>
-            <a:pPr marL="0" indent="0">
-              <a:buNone/>
-            </a:pPr>
-            <a:endParaRPr lang="da-DK" dirty="0"/>
-          </a:p>
-          <a:p>
-            <a:pPr marL="0" indent="0">
-              <a:buNone/>
-            </a:pPr>
-            <a:r>
-              <a:rPr lang="da-DK" dirty="0"/>
-              <a:t>No point in discussion who is best. The (biased) facts are:</a:t>
-            </a:r>
-          </a:p>
-          <a:p>
-            <a:r>
-              <a:rPr lang="da-DK" dirty="0"/>
-              <a:t>Tensorflow are too a large extend used in production</a:t>
-            </a:r>
-          </a:p>
-          <a:p>
-            <a:r>
-              <a:rPr lang="da-DK" dirty="0"/>
-              <a:t>Pytorch is used in research</a:t>
-            </a:r>
+            <a:endParaRPr lang="da-DK"/>
           </a:p>
         </p:txBody>
       </p:sp>
@@ -5412,7 +5089,7 @@
           <p:cNvPr id="4" name="Date Placeholder 3">
             <a:extLst>
               <a:ext uri="{FF2B5EF4-FFF2-40B4-BE49-F238E27FC236}">
-                <a16:creationId xmlns:a16="http://schemas.microsoft.com/office/drawing/2014/main" id="{2974D1B7-0321-40DF-AF1C-5A1E63077A51}"/>
+                <a16:creationId xmlns:a16="http://schemas.microsoft.com/office/drawing/2014/main" id="{F054A0FA-89FE-4349-A73D-ACD6702A121B}"/>
               </a:ext>
             </a:extLst>
           </p:cNvPr>
@@ -5430,7 +5107,7 @@
           <a:p>
             <a:fld id="{019E29B9-5584-4737-9C98-1B926378C778}" type="datetime1">
               <a:rPr lang="en-US" smtClean="0"/>
-              <a:t>4/28/2021</a:t>
+              <a:t>5/6/2021</a:t>
             </a:fld>
             <a:endParaRPr lang="da-DK"/>
           </a:p>
@@ -5441,7 +5118,7 @@
           <p:cNvPr id="5" name="Footer Placeholder 4">
             <a:extLst>
               <a:ext uri="{FF2B5EF4-FFF2-40B4-BE49-F238E27FC236}">
-                <a16:creationId xmlns:a16="http://schemas.microsoft.com/office/drawing/2014/main" id="{4305BE43-ABEA-48F8-911A-54D2FD760753}"/>
+                <a16:creationId xmlns:a16="http://schemas.microsoft.com/office/drawing/2014/main" id="{B9722F9A-B501-456A-95EC-ECEDBD6BB2BB}"/>
               </a:ext>
             </a:extLst>
           </p:cNvPr>
@@ -5469,7 +5146,7 @@
           <p:cNvPr id="6" name="Slide Number Placeholder 5">
             <a:extLst>
               <a:ext uri="{FF2B5EF4-FFF2-40B4-BE49-F238E27FC236}">
-                <a16:creationId xmlns:a16="http://schemas.microsoft.com/office/drawing/2014/main" id="{BF0F5E20-9EF4-4714-A060-B1F556270182}"/>
+                <a16:creationId xmlns:a16="http://schemas.microsoft.com/office/drawing/2014/main" id="{E8C2AD3F-E991-4A52-B2D8-1BC7F6C6DF59}"/>
               </a:ext>
             </a:extLst>
           </p:cNvPr>
@@ -5493,250 +5170,10 @@
           </a:p>
         </p:txBody>
       </p:sp>
-      <p:pic>
-        <p:nvPicPr>
-          <p:cNvPr id="7" name="Picture 4" descr="TensorFlow">
-            <a:extLst>
-              <a:ext uri="{FF2B5EF4-FFF2-40B4-BE49-F238E27FC236}">
-                <a16:creationId xmlns:a16="http://schemas.microsoft.com/office/drawing/2014/main" id="{D2CCE73B-D45C-4D87-8AFB-3584F025D283}"/>
-              </a:ext>
-            </a:extLst>
-          </p:cNvPr>
-          <p:cNvPicPr>
-            <a:picLocks noChangeAspect="1" noChangeArrowheads="1"/>
-          </p:cNvPicPr>
-          <p:nvPr/>
-        </p:nvPicPr>
-        <p:blipFill>
-          <a:blip r:embed="rId2">
-            <a:extLst>
-              <a:ext uri="{28A0092B-C50C-407E-A947-70E740481C1C}">
-                <a14:useLocalDpi xmlns:a14="http://schemas.microsoft.com/office/drawing/2010/main" val="0"/>
-              </a:ext>
-            </a:extLst>
-          </a:blip>
-          <a:srcRect/>
-          <a:stretch>
-            <a:fillRect/>
-          </a:stretch>
-        </p:blipFill>
-        <p:spPr bwMode="auto">
-          <a:xfrm>
-            <a:off x="1590675" y="2169150"/>
-            <a:ext cx="2857500" cy="1600200"/>
-          </a:xfrm>
-          <a:prstGeom prst="rect">
-            <a:avLst/>
-          </a:prstGeom>
-          <a:noFill/>
-          <a:extLst>
-            <a:ext uri="{909E8E84-426E-40DD-AFC4-6F175D3DCCD1}">
-              <a14:hiddenFill xmlns:a14="http://schemas.microsoft.com/office/drawing/2010/main">
-                <a:solidFill>
-                  <a:srgbClr val="FFFFFF"/>
-                </a:solidFill>
-              </a14:hiddenFill>
-            </a:ext>
-          </a:extLst>
-        </p:spPr>
-      </p:pic>
-      <p:pic>
-        <p:nvPicPr>
-          <p:cNvPr id="8" name="Picture 6" descr="Google">
-            <a:extLst>
-              <a:ext uri="{FF2B5EF4-FFF2-40B4-BE49-F238E27FC236}">
-                <a16:creationId xmlns:a16="http://schemas.microsoft.com/office/drawing/2014/main" id="{3F1A20E6-D5A4-4B5F-B7B1-D3A632D51848}"/>
-              </a:ext>
-            </a:extLst>
-          </p:cNvPr>
-          <p:cNvPicPr>
-            <a:picLocks noChangeAspect="1" noChangeArrowheads="1"/>
-          </p:cNvPicPr>
-          <p:nvPr/>
-        </p:nvPicPr>
-        <p:blipFill>
-          <a:blip r:embed="rId3">
-            <a:extLst>
-              <a:ext uri="{28A0092B-C50C-407E-A947-70E740481C1C}">
-                <a14:useLocalDpi xmlns:a14="http://schemas.microsoft.com/office/drawing/2010/main" val="0"/>
-              </a:ext>
-            </a:extLst>
-          </a:blip>
-          <a:srcRect/>
-          <a:stretch>
-            <a:fillRect/>
-          </a:stretch>
-        </p:blipFill>
-        <p:spPr bwMode="auto">
-          <a:xfrm>
-            <a:off x="1590675" y="1145213"/>
-            <a:ext cx="3048000" cy="1066800"/>
-          </a:xfrm>
-          <a:prstGeom prst="rect">
-            <a:avLst/>
-          </a:prstGeom>
-          <a:noFill/>
-          <a:extLst>
-            <a:ext uri="{909E8E84-426E-40DD-AFC4-6F175D3DCCD1}">
-              <a14:hiddenFill xmlns:a14="http://schemas.microsoft.com/office/drawing/2010/main">
-                <a:solidFill>
-                  <a:srgbClr val="FFFFFF"/>
-                </a:solidFill>
-              </a14:hiddenFill>
-            </a:ext>
-          </a:extLst>
-        </p:spPr>
-      </p:pic>
-      <p:pic>
-        <p:nvPicPr>
-          <p:cNvPr id="9" name="Picture 8" descr="Facebook - Wikipedia, den frie encyklopædi">
-            <a:extLst>
-              <a:ext uri="{FF2B5EF4-FFF2-40B4-BE49-F238E27FC236}">
-                <a16:creationId xmlns:a16="http://schemas.microsoft.com/office/drawing/2014/main" id="{7962CBE2-7EBD-480E-87A9-B60A77EA3CA1}"/>
-              </a:ext>
-            </a:extLst>
-          </p:cNvPr>
-          <p:cNvPicPr>
-            <a:picLocks noChangeAspect="1" noChangeArrowheads="1"/>
-          </p:cNvPicPr>
-          <p:nvPr/>
-        </p:nvPicPr>
-        <p:blipFill>
-          <a:blip r:embed="rId4">
-            <a:extLst>
-              <a:ext uri="{28A0092B-C50C-407E-A947-70E740481C1C}">
-                <a14:useLocalDpi xmlns:a14="http://schemas.microsoft.com/office/drawing/2010/main" val="0"/>
-              </a:ext>
-            </a:extLst>
-          </a:blip>
-          <a:srcRect/>
-          <a:stretch>
-            <a:fillRect/>
-          </a:stretch>
-        </p:blipFill>
-        <p:spPr bwMode="auto">
-          <a:xfrm>
-            <a:off x="6953250" y="873751"/>
-            <a:ext cx="3486150" cy="1314450"/>
-          </a:xfrm>
-          <a:prstGeom prst="rect">
-            <a:avLst/>
-          </a:prstGeom>
-          <a:noFill/>
-          <a:extLst>
-            <a:ext uri="{909E8E84-426E-40DD-AFC4-6F175D3DCCD1}">
-              <a14:hiddenFill xmlns:a14="http://schemas.microsoft.com/office/drawing/2010/main">
-                <a:solidFill>
-                  <a:srgbClr val="FFFFFF"/>
-                </a:solidFill>
-              </a14:hiddenFill>
-            </a:ext>
-          </a:extLst>
-        </p:spPr>
-      </p:pic>
-      <p:pic>
-        <p:nvPicPr>
-          <p:cNvPr id="10" name="Picture 2" descr="Reasons to Choose PyTorch for Deep Learning | by Claire D. Costa | Towards  Data Science">
-            <a:extLst>
-              <a:ext uri="{FF2B5EF4-FFF2-40B4-BE49-F238E27FC236}">
-                <a16:creationId xmlns:a16="http://schemas.microsoft.com/office/drawing/2014/main" id="{D12D1F04-484A-4130-84BC-B345AF6FA43D}"/>
-              </a:ext>
-            </a:extLst>
-          </p:cNvPr>
-          <p:cNvPicPr>
-            <a:picLocks noChangeAspect="1" noChangeArrowheads="1"/>
-          </p:cNvPicPr>
-          <p:nvPr/>
-        </p:nvPicPr>
-        <p:blipFill>
-          <a:blip r:embed="rId5">
-            <a:extLst>
-              <a:ext uri="{28A0092B-C50C-407E-A947-70E740481C1C}">
-                <a14:useLocalDpi xmlns:a14="http://schemas.microsoft.com/office/drawing/2010/main" val="0"/>
-              </a:ext>
-            </a:extLst>
-          </a:blip>
-          <a:srcRect/>
-          <a:stretch>
-            <a:fillRect/>
-          </a:stretch>
-        </p:blipFill>
-        <p:spPr bwMode="auto">
-          <a:xfrm>
-            <a:off x="7096125" y="2386596"/>
-            <a:ext cx="3028950" cy="1514475"/>
-          </a:xfrm>
-          <a:prstGeom prst="rect">
-            <a:avLst/>
-          </a:prstGeom>
-          <a:noFill/>
-          <a:extLst>
-            <a:ext uri="{909E8E84-426E-40DD-AFC4-6F175D3DCCD1}">
-              <a14:hiddenFill xmlns:a14="http://schemas.microsoft.com/office/drawing/2010/main">
-                <a:solidFill>
-                  <a:srgbClr val="FFFFFF"/>
-                </a:solidFill>
-              </a14:hiddenFill>
-            </a:ext>
-          </a:extLst>
-        </p:spPr>
-      </p:pic>
-      <p:sp>
-        <p:nvSpPr>
-          <p:cNvPr id="11" name="Rectangle 10">
-            <a:extLst>
-              <a:ext uri="{FF2B5EF4-FFF2-40B4-BE49-F238E27FC236}">
-                <a16:creationId xmlns:a16="http://schemas.microsoft.com/office/drawing/2014/main" id="{3652F33D-7935-4615-B916-14D56905DC5C}"/>
-              </a:ext>
-            </a:extLst>
-          </p:cNvPr>
-          <p:cNvSpPr/>
-          <p:nvPr/>
-        </p:nvSpPr>
-        <p:spPr>
-          <a:xfrm>
-            <a:off x="6786694" y="713064"/>
-            <a:ext cx="3814631" cy="2961314"/>
-          </a:xfrm>
-          <a:prstGeom prst="rect">
-            <a:avLst/>
-          </a:prstGeom>
-          <a:noFill/>
-          <a:ln w="38100">
-            <a:solidFill>
-              <a:srgbClr val="FF0000"/>
-            </a:solidFill>
-          </a:ln>
-        </p:spPr>
-        <p:style>
-          <a:lnRef idx="2">
-            <a:schemeClr val="accent1">
-              <a:shade val="50000"/>
-            </a:schemeClr>
-          </a:lnRef>
-          <a:fillRef idx="1">
-            <a:schemeClr val="accent1"/>
-          </a:fillRef>
-          <a:effectRef idx="0">
-            <a:schemeClr val="accent1"/>
-          </a:effectRef>
-          <a:fontRef idx="minor">
-            <a:schemeClr val="lt1"/>
-          </a:fontRef>
-        </p:style>
-        <p:txBody>
-          <a:bodyPr rtlCol="0" anchor="ctr"/>
-          <a:lstStyle/>
-          <a:p>
-            <a:pPr algn="ctr"/>
-            <a:endParaRPr lang="da-DK"/>
-          </a:p>
-        </p:txBody>
-      </p:sp>
     </p:spTree>
     <p:extLst>
       <p:ext uri="{BB962C8B-B14F-4D97-AF65-F5344CB8AC3E}">
-        <p14:creationId xmlns:p14="http://schemas.microsoft.com/office/powerpoint/2010/main" val="439255739"/>
+        <p14:creationId xmlns:p14="http://schemas.microsoft.com/office/powerpoint/2010/main" val="308534081"/>
       </p:ext>
     </p:extLst>
   </p:cSld>
@@ -5768,7 +5205,7 @@
           <p:cNvPr id="2" name="Title 1">
             <a:extLst>
               <a:ext uri="{FF2B5EF4-FFF2-40B4-BE49-F238E27FC236}">
-                <a16:creationId xmlns:a16="http://schemas.microsoft.com/office/drawing/2014/main" id="{3B196954-D4EE-488B-B250-B4A352C7A845}"/>
+                <a16:creationId xmlns:a16="http://schemas.microsoft.com/office/drawing/2014/main" id="{6BE5F6FC-4FE8-431A-AD09-C811B0880343}"/>
               </a:ext>
             </a:extLst>
           </p:cNvPr>
@@ -5784,10 +5221,7 @@
           <a:bodyPr/>
           <a:lstStyle/>
           <a:p>
-            <a:r>
-              <a:rPr lang="da-DK" dirty="0"/>
-              <a:t>How to make a modern deep learning framework</a:t>
-            </a:r>
+            <a:endParaRPr lang="da-DK"/>
           </a:p>
         </p:txBody>
       </p:sp>
@@ -5796,7 +5230,7 @@
           <p:cNvPr id="3" name="Content Placeholder 2">
             <a:extLst>
               <a:ext uri="{FF2B5EF4-FFF2-40B4-BE49-F238E27FC236}">
-                <a16:creationId xmlns:a16="http://schemas.microsoft.com/office/drawing/2014/main" id="{67BAF2C6-3100-47AD-AFBC-101D716A7503}"/>
+                <a16:creationId xmlns:a16="http://schemas.microsoft.com/office/drawing/2014/main" id="{B0CC81D8-5F09-415D-B1E8-1C32064AB27D}"/>
               </a:ext>
             </a:extLst>
           </p:cNvPr>
@@ -5821,7 +5255,7 @@
           <p:cNvPr id="4" name="Date Placeholder 3">
             <a:extLst>
               <a:ext uri="{FF2B5EF4-FFF2-40B4-BE49-F238E27FC236}">
-                <a16:creationId xmlns:a16="http://schemas.microsoft.com/office/drawing/2014/main" id="{3C082D71-621F-4D79-8A34-878DFF70AC94}"/>
+                <a16:creationId xmlns:a16="http://schemas.microsoft.com/office/drawing/2014/main" id="{58929028-2551-448C-B7F4-20EF5258E0AD}"/>
               </a:ext>
             </a:extLst>
           </p:cNvPr>
@@ -5839,7 +5273,7 @@
           <a:p>
             <a:fld id="{019E29B9-5584-4737-9C98-1B926378C778}" type="datetime1">
               <a:rPr lang="en-US" smtClean="0"/>
-              <a:t>4/28/2021</a:t>
+              <a:t>5/6/2021</a:t>
             </a:fld>
             <a:endParaRPr lang="da-DK"/>
           </a:p>
@@ -5850,7 +5284,7 @@
           <p:cNvPr id="5" name="Footer Placeholder 4">
             <a:extLst>
               <a:ext uri="{FF2B5EF4-FFF2-40B4-BE49-F238E27FC236}">
-                <a16:creationId xmlns:a16="http://schemas.microsoft.com/office/drawing/2014/main" id="{EC3AB0CB-DB29-408A-A980-2902500B31EF}"/>
+                <a16:creationId xmlns:a16="http://schemas.microsoft.com/office/drawing/2014/main" id="{1503B068-B404-4A2D-B2FB-D318C5FF8C6C}"/>
               </a:ext>
             </a:extLst>
           </p:cNvPr>
@@ -5878,7 +5312,7 @@
           <p:cNvPr id="6" name="Slide Number Placeholder 5">
             <a:extLst>
               <a:ext uri="{FF2B5EF4-FFF2-40B4-BE49-F238E27FC236}">
-                <a16:creationId xmlns:a16="http://schemas.microsoft.com/office/drawing/2014/main" id="{05290D20-0CAA-4245-879F-66A38F0100B4}"/>
+                <a16:creationId xmlns:a16="http://schemas.microsoft.com/office/drawing/2014/main" id="{5BC15310-A02D-47C6-AE42-9A4DF0E0D126}"/>
               </a:ext>
             </a:extLst>
           </p:cNvPr>
@@ -5902,461 +5336,10 @@
           </a:p>
         </p:txBody>
       </p:sp>
-      <p:sp>
-        <p:nvSpPr>
-          <p:cNvPr id="8" name="Oval 7">
-            <a:extLst>
-              <a:ext uri="{FF2B5EF4-FFF2-40B4-BE49-F238E27FC236}">
-                <a16:creationId xmlns:a16="http://schemas.microsoft.com/office/drawing/2014/main" id="{9079CECD-657D-4CD2-A48D-792D57A2AA81}"/>
-              </a:ext>
-            </a:extLst>
-          </p:cNvPr>
-          <p:cNvSpPr/>
-          <p:nvPr/>
-        </p:nvSpPr>
-        <p:spPr>
-          <a:xfrm>
-            <a:off x="2757733" y="2759807"/>
-            <a:ext cx="1800000" cy="1800000"/>
-          </a:xfrm>
-          <a:prstGeom prst="ellipse">
-            <a:avLst/>
-          </a:prstGeom>
-        </p:spPr>
-        <p:style>
-          <a:lnRef idx="2">
-            <a:schemeClr val="accent1">
-              <a:shade val="50000"/>
-            </a:schemeClr>
-          </a:lnRef>
-          <a:fillRef idx="1">
-            <a:schemeClr val="accent1"/>
-          </a:fillRef>
-          <a:effectRef idx="0">
-            <a:schemeClr val="accent1"/>
-          </a:effectRef>
-          <a:fontRef idx="minor">
-            <a:schemeClr val="lt1"/>
-          </a:fontRef>
-        </p:style>
-        <p:txBody>
-          <a:bodyPr rtlCol="0" anchor="ctr"/>
-          <a:lstStyle/>
-          <a:p>
-            <a:pPr algn="ctr"/>
-            <a:r>
-              <a:rPr lang="da-DK" dirty="0"/>
-              <a:t>Tensors</a:t>
-            </a:r>
-          </a:p>
-        </p:txBody>
-      </p:sp>
-      <p:sp>
-        <p:nvSpPr>
-          <p:cNvPr id="9" name="Oval 8">
-            <a:extLst>
-              <a:ext uri="{FF2B5EF4-FFF2-40B4-BE49-F238E27FC236}">
-                <a16:creationId xmlns:a16="http://schemas.microsoft.com/office/drawing/2014/main" id="{AB420AE8-4276-4DF0-AA32-8B6D46408DEA}"/>
-              </a:ext>
-            </a:extLst>
-          </p:cNvPr>
-          <p:cNvSpPr/>
-          <p:nvPr/>
-        </p:nvSpPr>
-        <p:spPr>
-          <a:xfrm>
-            <a:off x="4970197" y="2759807"/>
-            <a:ext cx="1800000" cy="1800000"/>
-          </a:xfrm>
-          <a:prstGeom prst="ellipse">
-            <a:avLst/>
-          </a:prstGeom>
-        </p:spPr>
-        <p:style>
-          <a:lnRef idx="2">
-            <a:schemeClr val="accent1">
-              <a:shade val="50000"/>
-            </a:schemeClr>
-          </a:lnRef>
-          <a:fillRef idx="1">
-            <a:schemeClr val="accent1"/>
-          </a:fillRef>
-          <a:effectRef idx="0">
-            <a:schemeClr val="accent1"/>
-          </a:effectRef>
-          <a:fontRef idx="minor">
-            <a:schemeClr val="lt1"/>
-          </a:fontRef>
-        </p:style>
-        <p:txBody>
-          <a:bodyPr rtlCol="0" anchor="ctr"/>
-          <a:lstStyle/>
-          <a:p>
-            <a:pPr algn="ctr"/>
-            <a:r>
-              <a:rPr lang="da-DK" dirty="0"/>
-              <a:t>Hardware acceleration</a:t>
-            </a:r>
-          </a:p>
-        </p:txBody>
-      </p:sp>
-      <p:sp>
-        <p:nvSpPr>
-          <p:cNvPr id="10" name="Oval 9">
-            <a:extLst>
-              <a:ext uri="{FF2B5EF4-FFF2-40B4-BE49-F238E27FC236}">
-                <a16:creationId xmlns:a16="http://schemas.microsoft.com/office/drawing/2014/main" id="{928F16EF-A68D-4ECA-94B2-28ACA2C52F94}"/>
-              </a:ext>
-            </a:extLst>
-          </p:cNvPr>
-          <p:cNvSpPr/>
-          <p:nvPr/>
-        </p:nvSpPr>
-        <p:spPr>
-          <a:xfrm>
-            <a:off x="7253400" y="2759807"/>
-            <a:ext cx="1800000" cy="1800000"/>
-          </a:xfrm>
-          <a:prstGeom prst="ellipse">
-            <a:avLst/>
-          </a:prstGeom>
-        </p:spPr>
-        <p:style>
-          <a:lnRef idx="2">
-            <a:schemeClr val="accent1">
-              <a:shade val="50000"/>
-            </a:schemeClr>
-          </a:lnRef>
-          <a:fillRef idx="1">
-            <a:schemeClr val="accent1"/>
-          </a:fillRef>
-          <a:effectRef idx="0">
-            <a:schemeClr val="accent1"/>
-          </a:effectRef>
-          <a:fontRef idx="minor">
-            <a:schemeClr val="lt1"/>
-          </a:fontRef>
-        </p:style>
-        <p:txBody>
-          <a:bodyPr rtlCol="0" anchor="ctr"/>
-          <a:lstStyle/>
-          <a:p>
-            <a:pPr algn="ctr"/>
-            <a:r>
-              <a:rPr lang="da-DK" dirty="0"/>
-              <a:t>Automatic differentation</a:t>
-            </a:r>
-          </a:p>
-        </p:txBody>
-      </p:sp>
-      <p:sp>
-        <p:nvSpPr>
-          <p:cNvPr id="11" name="TextBox 10">
-            <a:extLst>
-              <a:ext uri="{FF2B5EF4-FFF2-40B4-BE49-F238E27FC236}">
-                <a16:creationId xmlns:a16="http://schemas.microsoft.com/office/drawing/2014/main" id="{D5F6B155-ED5D-4394-A1EF-68CC8DF974B4}"/>
-              </a:ext>
-            </a:extLst>
-          </p:cNvPr>
-          <p:cNvSpPr txBox="1"/>
-          <p:nvPr/>
-        </p:nvSpPr>
-        <p:spPr>
-          <a:xfrm>
-            <a:off x="3034713" y="4685056"/>
-            <a:ext cx="1426128" cy="923330"/>
-          </a:xfrm>
-          <a:prstGeom prst="rect">
-            <a:avLst/>
-          </a:prstGeom>
-          <a:noFill/>
-        </p:spPr>
-        <p:txBody>
-          <a:bodyPr wrap="square" rtlCol="0">
-            <a:spAutoFit/>
-          </a:bodyPr>
-          <a:lstStyle/>
-          <a:p>
-            <a:r>
-              <a:rPr lang="da-DK" dirty="0"/>
-              <a:t>Abstraction to higher order data</a:t>
-            </a:r>
-          </a:p>
-        </p:txBody>
-      </p:sp>
-      <p:sp>
-        <p:nvSpPr>
-          <p:cNvPr id="12" name="TextBox 11">
-            <a:extLst>
-              <a:ext uri="{FF2B5EF4-FFF2-40B4-BE49-F238E27FC236}">
-                <a16:creationId xmlns:a16="http://schemas.microsoft.com/office/drawing/2014/main" id="{E8EAEA57-6185-4970-A384-2C70F55586B1}"/>
-              </a:ext>
-            </a:extLst>
-          </p:cNvPr>
-          <p:cNvSpPr txBox="1"/>
-          <p:nvPr/>
-        </p:nvSpPr>
-        <p:spPr>
-          <a:xfrm>
-            <a:off x="5344069" y="4685056"/>
-            <a:ext cx="1426128" cy="923330"/>
-          </a:xfrm>
-          <a:prstGeom prst="rect">
-            <a:avLst/>
-          </a:prstGeom>
-          <a:noFill/>
-        </p:spPr>
-        <p:txBody>
-          <a:bodyPr wrap="square" rtlCol="0">
-            <a:spAutoFit/>
-          </a:bodyPr>
-          <a:lstStyle/>
-          <a:p>
-            <a:r>
-              <a:rPr lang="da-DK" dirty="0"/>
-              <a:t>Faster computations</a:t>
-            </a:r>
-          </a:p>
-        </p:txBody>
-      </p:sp>
-      <p:sp>
-        <p:nvSpPr>
-          <p:cNvPr id="13" name="TextBox 12">
-            <a:extLst>
-              <a:ext uri="{FF2B5EF4-FFF2-40B4-BE49-F238E27FC236}">
-                <a16:creationId xmlns:a16="http://schemas.microsoft.com/office/drawing/2014/main" id="{30832BCE-C61E-4C30-A8C3-50CCB30FB5D4}"/>
-              </a:ext>
-            </a:extLst>
-          </p:cNvPr>
-          <p:cNvSpPr txBox="1"/>
-          <p:nvPr/>
-        </p:nvSpPr>
-        <p:spPr>
-          <a:xfrm>
-            <a:off x="7627272" y="4685056"/>
-            <a:ext cx="1426128" cy="369332"/>
-          </a:xfrm>
-          <a:prstGeom prst="rect">
-            <a:avLst/>
-          </a:prstGeom>
-          <a:noFill/>
-        </p:spPr>
-        <p:txBody>
-          <a:bodyPr wrap="square" rtlCol="0">
-            <a:spAutoFit/>
-          </a:bodyPr>
-          <a:lstStyle/>
-          <a:p>
-            <a:r>
-              <a:rPr lang="da-DK" dirty="0"/>
-              <a:t>Ease of use</a:t>
-            </a:r>
-          </a:p>
-        </p:txBody>
-      </p:sp>
     </p:spTree>
     <p:extLst>
       <p:ext uri="{BB962C8B-B14F-4D97-AF65-F5344CB8AC3E}">
-        <p14:creationId xmlns:p14="http://schemas.microsoft.com/office/powerpoint/2010/main" val="411016925"/>
-      </p:ext>
-    </p:extLst>
-  </p:cSld>
-  <p:clrMapOvr>
-    <a:masterClrMapping/>
-  </p:clrMapOvr>
-</p:sld>
-</file>
-
-<file path=ppt/slides/slide8.xml><?xml version="1.0" encoding="utf-8"?>
-<p:sld xmlns:a="http://schemas.openxmlformats.org/drawingml/2006/main" xmlns:r="http://schemas.openxmlformats.org/officeDocument/2006/relationships" xmlns:p="http://schemas.openxmlformats.org/presentationml/2006/main">
-  <p:cSld>
-    <p:spTree>
-      <p:nvGrpSpPr>
-        <p:cNvPr id="1" name=""/>
-        <p:cNvGrpSpPr/>
-        <p:nvPr/>
-      </p:nvGrpSpPr>
-      <p:grpSpPr>
-        <a:xfrm>
-          <a:off x="0" y="0"/>
-          <a:ext cx="0" cy="0"/>
-          <a:chOff x="0" y="0"/>
-          <a:chExt cx="0" cy="0"/>
-        </a:xfrm>
-      </p:grpSpPr>
-      <p:sp>
-        <p:nvSpPr>
-          <p:cNvPr id="2" name="Title 1">
-            <a:extLst>
-              <a:ext uri="{FF2B5EF4-FFF2-40B4-BE49-F238E27FC236}">
-                <a16:creationId xmlns:a16="http://schemas.microsoft.com/office/drawing/2014/main" id="{E6807CFB-04BE-43AB-B950-303DCBE4B926}"/>
-              </a:ext>
-            </a:extLst>
-          </p:cNvPr>
-          <p:cNvSpPr>
-            <a:spLocks noGrp="1"/>
-          </p:cNvSpPr>
-          <p:nvPr>
-            <p:ph type="title"/>
-          </p:nvPr>
-        </p:nvSpPr>
-        <p:spPr/>
-        <p:txBody>
-          <a:bodyPr/>
-          <a:lstStyle/>
-          <a:p>
-            <a:r>
-              <a:rPr lang="da-DK" dirty="0"/>
-              <a:t>Meme of the day</a:t>
-            </a:r>
-          </a:p>
-        </p:txBody>
-      </p:sp>
-      <p:sp>
-        <p:nvSpPr>
-          <p:cNvPr id="3" name="Content Placeholder 2">
-            <a:extLst>
-              <a:ext uri="{FF2B5EF4-FFF2-40B4-BE49-F238E27FC236}">
-                <a16:creationId xmlns:a16="http://schemas.microsoft.com/office/drawing/2014/main" id="{5513CE4A-4E41-420D-87F1-5BB683E7647A}"/>
-              </a:ext>
-            </a:extLst>
-          </p:cNvPr>
-          <p:cNvSpPr>
-            <a:spLocks noGrp="1"/>
-          </p:cNvSpPr>
-          <p:nvPr>
-            <p:ph idx="1"/>
-          </p:nvPr>
-        </p:nvSpPr>
-        <p:spPr/>
-        <p:txBody>
-          <a:bodyPr/>
-          <a:lstStyle/>
-          <a:p>
-            <a:endParaRPr lang="da-DK"/>
-          </a:p>
-        </p:txBody>
-      </p:sp>
-      <p:sp>
-        <p:nvSpPr>
-          <p:cNvPr id="4" name="Date Placeholder 3">
-            <a:extLst>
-              <a:ext uri="{FF2B5EF4-FFF2-40B4-BE49-F238E27FC236}">
-                <a16:creationId xmlns:a16="http://schemas.microsoft.com/office/drawing/2014/main" id="{06BBBB3D-7152-4915-9678-39322E5CE246}"/>
-              </a:ext>
-            </a:extLst>
-          </p:cNvPr>
-          <p:cNvSpPr>
-            <a:spLocks noGrp="1"/>
-          </p:cNvSpPr>
-          <p:nvPr>
-            <p:ph type="dt" sz="half" idx="10"/>
-          </p:nvPr>
-        </p:nvSpPr>
-        <p:spPr/>
-        <p:txBody>
-          <a:bodyPr/>
-          <a:lstStyle/>
-          <a:p>
-            <a:fld id="{019E29B9-5584-4737-9C98-1B926378C778}" type="datetime1">
-              <a:rPr lang="en-US" smtClean="0"/>
-              <a:t>4/28/2021</a:t>
-            </a:fld>
-            <a:endParaRPr lang="da-DK"/>
-          </a:p>
-        </p:txBody>
-      </p:sp>
-      <p:sp>
-        <p:nvSpPr>
-          <p:cNvPr id="5" name="Footer Placeholder 4">
-            <a:extLst>
-              <a:ext uri="{FF2B5EF4-FFF2-40B4-BE49-F238E27FC236}">
-                <a16:creationId xmlns:a16="http://schemas.microsoft.com/office/drawing/2014/main" id="{2191107E-5C57-432C-94A1-7E7659056F7D}"/>
-              </a:ext>
-            </a:extLst>
-          </p:cNvPr>
-          <p:cNvSpPr>
-            <a:spLocks noGrp="1"/>
-          </p:cNvSpPr>
-          <p:nvPr>
-            <p:ph type="ftr" sz="quarter" idx="11"/>
-          </p:nvPr>
-        </p:nvSpPr>
-        <p:spPr/>
-        <p:txBody>
-          <a:bodyPr/>
-          <a:lstStyle/>
-          <a:p>
-            <a:r>
-              <a:rPr lang="da-DK"/>
-              <a:t>Nicki Skafte Detlefsen</a:t>
-            </a:r>
-          </a:p>
-        </p:txBody>
-      </p:sp>
-      <p:sp>
-        <p:nvSpPr>
-          <p:cNvPr id="6" name="Slide Number Placeholder 5">
-            <a:extLst>
-              <a:ext uri="{FF2B5EF4-FFF2-40B4-BE49-F238E27FC236}">
-                <a16:creationId xmlns:a16="http://schemas.microsoft.com/office/drawing/2014/main" id="{566C5839-2F07-4488-9415-1B25BC34E3CE}"/>
-              </a:ext>
-            </a:extLst>
-          </p:cNvPr>
-          <p:cNvSpPr>
-            <a:spLocks noGrp="1"/>
-          </p:cNvSpPr>
-          <p:nvPr>
-            <p:ph type="sldNum" sz="quarter" idx="12"/>
-          </p:nvPr>
-        </p:nvSpPr>
-        <p:spPr/>
-        <p:txBody>
-          <a:bodyPr/>
-          <a:lstStyle/>
-          <a:p>
-            <a:fld id="{F6FEDE24-D50C-481B-A7B4-8AF13899101A}" type="slidenum">
-              <a:rPr lang="da-DK" smtClean="0"/>
-              <a:t>8</a:t>
-            </a:fld>
-            <a:endParaRPr lang="da-DK"/>
-          </a:p>
-        </p:txBody>
-      </p:sp>
-      <p:pic>
-        <p:nvPicPr>
-          <p:cNvPr id="8" name="Picture 7">
-            <a:extLst>
-              <a:ext uri="{FF2B5EF4-FFF2-40B4-BE49-F238E27FC236}">
-                <a16:creationId xmlns:a16="http://schemas.microsoft.com/office/drawing/2014/main" id="{85475AC4-C8CF-4DF3-850E-C896C94A1300}"/>
-              </a:ext>
-            </a:extLst>
-          </p:cNvPr>
-          <p:cNvPicPr>
-            <a:picLocks noChangeAspect="1"/>
-          </p:cNvPicPr>
-          <p:nvPr/>
-        </p:nvPicPr>
-        <p:blipFill>
-          <a:blip r:embed="rId2"/>
-          <a:stretch>
-            <a:fillRect/>
-          </a:stretch>
-        </p:blipFill>
-        <p:spPr>
-          <a:xfrm>
-            <a:off x="2324100" y="1240922"/>
-            <a:ext cx="7658100" cy="5038725"/>
-          </a:xfrm>
-          <a:prstGeom prst="rect">
-            <a:avLst/>
-          </a:prstGeom>
-        </p:spPr>
-      </p:pic>
-    </p:spTree>
-    <p:extLst>
-      <p:ext uri="{BB962C8B-B14F-4D97-AF65-F5344CB8AC3E}">
-        <p14:creationId xmlns:p14="http://schemas.microsoft.com/office/powerpoint/2010/main" val="1561460348"/>
+        <p14:creationId xmlns:p14="http://schemas.microsoft.com/office/powerpoint/2010/main" val="3149619811"/>
       </p:ext>
     </p:extLst>
   </p:cSld>
